--- a/src/media/cluster_execution.pptx
+++ b/src/media/cluster_execution.pptx
@@ -4079,67 +4079,6 @@
             <a:chExt cx="4522800" cy="4006854"/>
           </a:xfrm>
         </p:grpSpPr>
-        <p:sp>
-          <p:nvSpPr>
-            <p:cNvPr id="55" name="Rectangle 54">
-              <a:extLst>
-                <a:ext uri="{FF2B5EF4-FFF2-40B4-BE49-F238E27FC236}">
-                  <a16:creationId xmlns:a16="http://schemas.microsoft.com/office/drawing/2014/main" id="{C2BA0291-43B8-CC46-9483-3250DD73385B}"/>
-                </a:ext>
-              </a:extLst>
-            </p:cNvPr>
-            <p:cNvSpPr/>
-            <p:nvPr/>
-          </p:nvSpPr>
-          <p:spPr>
-            <a:xfrm>
-              <a:off x="4642709" y="2014151"/>
-              <a:ext cx="4463218" cy="3014976"/>
-            </a:xfrm>
-            <a:prstGeom prst="rect">
-              <a:avLst/>
-            </a:prstGeom>
-            <a:solidFill>
-              <a:schemeClr val="accent1">
-                <a:alpha val="10000"/>
-              </a:schemeClr>
-            </a:solidFill>
-            <a:ln>
-              <a:noFill/>
-            </a:ln>
-            <a:effectLst>
-              <a:outerShdw blurRad="50800" dist="38100" dir="2700000" algn="tl" rotWithShape="0">
-                <a:prstClr val="black">
-                  <a:alpha val="40000"/>
-                </a:prstClr>
-              </a:outerShdw>
-            </a:effectLst>
-          </p:spPr>
-          <p:style>
-            <a:lnRef idx="2">
-              <a:schemeClr val="accent1">
-                <a:shade val="50000"/>
-              </a:schemeClr>
-            </a:lnRef>
-            <a:fillRef idx="1">
-              <a:schemeClr val="accent1"/>
-            </a:fillRef>
-            <a:effectRef idx="0">
-              <a:schemeClr val="accent1"/>
-            </a:effectRef>
-            <a:fontRef idx="minor">
-              <a:schemeClr val="lt1"/>
-            </a:fontRef>
-          </p:style>
-          <p:txBody>
-            <a:bodyPr rtlCol="0" anchor="ctr"/>
-            <a:lstStyle/>
-            <a:p>
-              <a:pPr algn="ctr"/>
-              <a:endParaRPr lang="en-US" sz="2400" dirty="0"/>
-            </a:p>
-          </p:txBody>
-        </p:sp>
         <p:grpSp>
           <p:nvGrpSpPr>
             <p:cNvPr id="112" name="Group 111">
@@ -4829,7 +4768,7 @@
             </p:nvCxnSpPr>
             <p:spPr bwMode="gray">
               <a:xfrm flipH="1">
-                <a:off x="7257982" y="3732342"/>
+                <a:off x="7313159" y="3732342"/>
                 <a:ext cx="453234" cy="0"/>
               </a:xfrm>
               <a:prstGeom prst="straightConnector1">
@@ -5016,6 +4955,67 @@
             </p:txBody>
           </p:sp>
         </p:grpSp>
+        <p:sp>
+          <p:nvSpPr>
+            <p:cNvPr id="55" name="Rectangle 54">
+              <a:extLst>
+                <a:ext uri="{FF2B5EF4-FFF2-40B4-BE49-F238E27FC236}">
+                  <a16:creationId xmlns:a16="http://schemas.microsoft.com/office/drawing/2014/main" id="{C2BA0291-43B8-CC46-9483-3250DD73385B}"/>
+                </a:ext>
+              </a:extLst>
+            </p:cNvPr>
+            <p:cNvSpPr/>
+            <p:nvPr/>
+          </p:nvSpPr>
+          <p:spPr>
+            <a:xfrm>
+              <a:off x="4642709" y="2014151"/>
+              <a:ext cx="4463218" cy="3014976"/>
+            </a:xfrm>
+            <a:prstGeom prst="rect">
+              <a:avLst/>
+            </a:prstGeom>
+            <a:solidFill>
+              <a:schemeClr val="accent1">
+                <a:alpha val="10000"/>
+              </a:schemeClr>
+            </a:solidFill>
+            <a:ln>
+              <a:noFill/>
+            </a:ln>
+            <a:effectLst>
+              <a:outerShdw blurRad="50800" dist="38100" dir="2700000" algn="tl" rotWithShape="0">
+                <a:prstClr val="black">
+                  <a:alpha val="40000"/>
+                </a:prstClr>
+              </a:outerShdw>
+            </a:effectLst>
+          </p:spPr>
+          <p:style>
+            <a:lnRef idx="2">
+              <a:schemeClr val="accent1">
+                <a:shade val="50000"/>
+              </a:schemeClr>
+            </a:lnRef>
+            <a:fillRef idx="1">
+              <a:schemeClr val="accent1"/>
+            </a:fillRef>
+            <a:effectRef idx="0">
+              <a:schemeClr val="accent1"/>
+            </a:effectRef>
+            <a:fontRef idx="minor">
+              <a:schemeClr val="lt1"/>
+            </a:fontRef>
+          </p:style>
+          <p:txBody>
+            <a:bodyPr rtlCol="0" anchor="ctr"/>
+            <a:lstStyle/>
+            <a:p>
+              <a:pPr algn="ctr"/>
+              <a:endParaRPr lang="en-US" sz="2400" dirty="0"/>
+            </a:p>
+          </p:txBody>
+        </p:sp>
       </p:grpSp>
     </p:spTree>
     <p:extLst>
